--- a/conceptos_poo/IntroduccionObjetos.pptx
+++ b/conceptos_poo/IntroduccionObjetos.pptx
@@ -9,6 +9,7 @@
     <p:sldId id="257" r:id="rId3"/>
     <p:sldId id="258" r:id="rId4"/>
     <p:sldId id="259" r:id="rId5"/>
+    <p:sldId id="260" r:id="rId6"/>
   </p:sldIdLst>
   <p:sldSz cx="12192000" cy="6858000"/>
   <p:notesSz cx="6858000" cy="9144000"/>
@@ -107,6 +108,11 @@
       </a:defRPr>
     </a:lvl9pPr>
   </p:defaultTextStyle>
+  <p:extLst>
+    <p:ext uri="{EFAFB233-063F-42B5-8137-9DF3F51BA10A}">
+      <p15:sldGuideLst xmlns:p15="http://schemas.microsoft.com/office/powerpoint/2012/main"/>
+    </p:ext>
+  </p:extLst>
 </p:presentation>
 </file>
 
@@ -259,7 +265,7 @@
           <a:p>
             <a:fld id="{7AD71D1C-BB50-494E-8BEF-5949B653AD80}" type="datetimeFigureOut">
               <a:rPr lang="es-CO" smtClean="0"/>
-              <a:t>18/09/2023</a:t>
+              <a:t>25/09/2023</a:t>
             </a:fld>
             <a:endParaRPr lang="es-CO"/>
           </a:p>
@@ -459,7 +465,7 @@
           <a:p>
             <a:fld id="{7AD71D1C-BB50-494E-8BEF-5949B653AD80}" type="datetimeFigureOut">
               <a:rPr lang="es-CO" smtClean="0"/>
-              <a:t>18/09/2023</a:t>
+              <a:t>25/09/2023</a:t>
             </a:fld>
             <a:endParaRPr lang="es-CO"/>
           </a:p>
@@ -669,7 +675,7 @@
           <a:p>
             <a:fld id="{7AD71D1C-BB50-494E-8BEF-5949B653AD80}" type="datetimeFigureOut">
               <a:rPr lang="es-CO" smtClean="0"/>
-              <a:t>18/09/2023</a:t>
+              <a:t>25/09/2023</a:t>
             </a:fld>
             <a:endParaRPr lang="es-CO"/>
           </a:p>
@@ -869,7 +875,7 @@
           <a:p>
             <a:fld id="{7AD71D1C-BB50-494E-8BEF-5949B653AD80}" type="datetimeFigureOut">
               <a:rPr lang="es-CO" smtClean="0"/>
-              <a:t>18/09/2023</a:t>
+              <a:t>25/09/2023</a:t>
             </a:fld>
             <a:endParaRPr lang="es-CO"/>
           </a:p>
@@ -1145,7 +1151,7 @@
           <a:p>
             <a:fld id="{7AD71D1C-BB50-494E-8BEF-5949B653AD80}" type="datetimeFigureOut">
               <a:rPr lang="es-CO" smtClean="0"/>
-              <a:t>18/09/2023</a:t>
+              <a:t>25/09/2023</a:t>
             </a:fld>
             <a:endParaRPr lang="es-CO"/>
           </a:p>
@@ -1413,7 +1419,7 @@
           <a:p>
             <a:fld id="{7AD71D1C-BB50-494E-8BEF-5949B653AD80}" type="datetimeFigureOut">
               <a:rPr lang="es-CO" smtClean="0"/>
-              <a:t>18/09/2023</a:t>
+              <a:t>25/09/2023</a:t>
             </a:fld>
             <a:endParaRPr lang="es-CO"/>
           </a:p>
@@ -1828,7 +1834,7 @@
           <a:p>
             <a:fld id="{7AD71D1C-BB50-494E-8BEF-5949B653AD80}" type="datetimeFigureOut">
               <a:rPr lang="es-CO" smtClean="0"/>
-              <a:t>18/09/2023</a:t>
+              <a:t>25/09/2023</a:t>
             </a:fld>
             <a:endParaRPr lang="es-CO"/>
           </a:p>
@@ -1970,7 +1976,7 @@
           <a:p>
             <a:fld id="{7AD71D1C-BB50-494E-8BEF-5949B653AD80}" type="datetimeFigureOut">
               <a:rPr lang="es-CO" smtClean="0"/>
-              <a:t>18/09/2023</a:t>
+              <a:t>25/09/2023</a:t>
             </a:fld>
             <a:endParaRPr lang="es-CO"/>
           </a:p>
@@ -2083,7 +2089,7 @@
           <a:p>
             <a:fld id="{7AD71D1C-BB50-494E-8BEF-5949B653AD80}" type="datetimeFigureOut">
               <a:rPr lang="es-CO" smtClean="0"/>
-              <a:t>18/09/2023</a:t>
+              <a:t>25/09/2023</a:t>
             </a:fld>
             <a:endParaRPr lang="es-CO"/>
           </a:p>
@@ -2396,7 +2402,7 @@
           <a:p>
             <a:fld id="{7AD71D1C-BB50-494E-8BEF-5949B653AD80}" type="datetimeFigureOut">
               <a:rPr lang="es-CO" smtClean="0"/>
-              <a:t>18/09/2023</a:t>
+              <a:t>25/09/2023</a:t>
             </a:fld>
             <a:endParaRPr lang="es-CO"/>
           </a:p>
@@ -2685,7 +2691,7 @@
           <a:p>
             <a:fld id="{7AD71D1C-BB50-494E-8BEF-5949B653AD80}" type="datetimeFigureOut">
               <a:rPr lang="es-CO" smtClean="0"/>
-              <a:t>18/09/2023</a:t>
+              <a:t>25/09/2023</a:t>
             </a:fld>
             <a:endParaRPr lang="es-CO"/>
           </a:p>
@@ -2928,7 +2934,7 @@
           <a:p>
             <a:fld id="{7AD71D1C-BB50-494E-8BEF-5949B653AD80}" type="datetimeFigureOut">
               <a:rPr lang="es-CO" smtClean="0"/>
-              <a:t>18/09/2023</a:t>
+              <a:t>25/09/2023</a:t>
             </a:fld>
             <a:endParaRPr lang="es-CO"/>
           </a:p>
@@ -3899,7 +3905,7 @@
         </p:nvSpPr>
         <p:spPr>
           <a:xfrm>
-            <a:off x="2383872" y="1492541"/>
+            <a:off x="2401348" y="1492541"/>
             <a:ext cx="2104238" cy="3498909"/>
           </a:xfrm>
           <a:prstGeom prst="rect">
@@ -4913,6 +4919,472 @@
     <p:extLst>
       <p:ext uri="{BB962C8B-B14F-4D97-AF65-F5344CB8AC3E}">
         <p14:creationId xmlns:p14="http://schemas.microsoft.com/office/powerpoint/2010/main" val="204325574"/>
+      </p:ext>
+    </p:extLst>
+  </p:cSld>
+  <p:clrMapOvr>
+    <a:masterClrMapping/>
+  </p:clrMapOvr>
+</p:sld>
+</file>
+
+<file path=ppt/slides/slide5.xml><?xml version="1.0" encoding="utf-8"?>
+<p:sld xmlns:a="http://schemas.openxmlformats.org/drawingml/2006/main" xmlns:r="http://schemas.openxmlformats.org/officeDocument/2006/relationships" xmlns:p="http://schemas.openxmlformats.org/presentationml/2006/main">
+  <p:cSld>
+    <p:spTree>
+      <p:nvGrpSpPr>
+        <p:cNvPr id="1" name=""/>
+        <p:cNvGrpSpPr/>
+        <p:nvPr/>
+      </p:nvGrpSpPr>
+      <p:grpSpPr>
+        <a:xfrm>
+          <a:off x="0" y="0"/>
+          <a:ext cx="0" cy="0"/>
+          <a:chOff x="0" y="0"/>
+          <a:chExt cx="0" cy="0"/>
+        </a:xfrm>
+      </p:grpSpPr>
+      <p:sp>
+        <p:nvSpPr>
+          <p:cNvPr id="4" name="Rectángulo 3">
+            <a:extLst>
+              <a:ext uri="{FF2B5EF4-FFF2-40B4-BE49-F238E27FC236}">
+                <a16:creationId xmlns:a16="http://schemas.microsoft.com/office/drawing/2014/main" id="{A7DD61FD-6D15-6148-D02D-032E63630DA4}"/>
+              </a:ext>
+            </a:extLst>
+          </p:cNvPr>
+          <p:cNvSpPr/>
+          <p:nvPr/>
+        </p:nvSpPr>
+        <p:spPr>
+          <a:xfrm>
+            <a:off x="343949" y="830510"/>
+            <a:ext cx="1870745" cy="604007"/>
+          </a:xfrm>
+          <a:prstGeom prst="rect">
+            <a:avLst/>
+          </a:prstGeom>
+          <a:solidFill>
+            <a:schemeClr val="accent4">
+              <a:lumMod val="40000"/>
+              <a:lumOff val="60000"/>
+            </a:schemeClr>
+          </a:solidFill>
+          <a:ln>
+            <a:noFill/>
+          </a:ln>
+        </p:spPr>
+        <p:style>
+          <a:lnRef idx="2">
+            <a:schemeClr val="accent1">
+              <a:shade val="15000"/>
+            </a:schemeClr>
+          </a:lnRef>
+          <a:fillRef idx="1">
+            <a:schemeClr val="accent1"/>
+          </a:fillRef>
+          <a:effectRef idx="0">
+            <a:schemeClr val="accent1"/>
+          </a:effectRef>
+          <a:fontRef idx="minor">
+            <a:schemeClr val="lt1"/>
+          </a:fontRef>
+        </p:style>
+        <p:txBody>
+          <a:bodyPr rtlCol="0" anchor="ctr"/>
+          <a:lstStyle/>
+          <a:p>
+            <a:pPr algn="ctr"/>
+            <a:r>
+              <a:rPr lang="es-MX" dirty="0">
+                <a:solidFill>
+                  <a:schemeClr val="tx1"/>
+                </a:solidFill>
+              </a:rPr>
+              <a:t>Nombre Clase</a:t>
+            </a:r>
+            <a:endParaRPr lang="es-CO" dirty="0">
+              <a:solidFill>
+                <a:schemeClr val="tx1"/>
+              </a:solidFill>
+            </a:endParaRPr>
+          </a:p>
+        </p:txBody>
+      </p:sp>
+      <p:sp>
+        <p:nvSpPr>
+          <p:cNvPr id="5" name="Rectángulo 4">
+            <a:extLst>
+              <a:ext uri="{FF2B5EF4-FFF2-40B4-BE49-F238E27FC236}">
+                <a16:creationId xmlns:a16="http://schemas.microsoft.com/office/drawing/2014/main" id="{27892D44-7F34-D458-00C0-B3D2C6644239}"/>
+              </a:ext>
+            </a:extLst>
+          </p:cNvPr>
+          <p:cNvSpPr/>
+          <p:nvPr/>
+        </p:nvSpPr>
+        <p:spPr>
+          <a:xfrm>
+            <a:off x="343947" y="1464578"/>
+            <a:ext cx="1870745" cy="1248562"/>
+          </a:xfrm>
+          <a:prstGeom prst="rect">
+            <a:avLst/>
+          </a:prstGeom>
+          <a:solidFill>
+            <a:schemeClr val="accent4">
+              <a:lumMod val="40000"/>
+              <a:lumOff val="60000"/>
+            </a:schemeClr>
+          </a:solidFill>
+          <a:ln>
+            <a:noFill/>
+          </a:ln>
+        </p:spPr>
+        <p:style>
+          <a:lnRef idx="2">
+            <a:schemeClr val="accent1">
+              <a:shade val="15000"/>
+            </a:schemeClr>
+          </a:lnRef>
+          <a:fillRef idx="1">
+            <a:schemeClr val="accent1"/>
+          </a:fillRef>
+          <a:effectRef idx="0">
+            <a:schemeClr val="accent1"/>
+          </a:effectRef>
+          <a:fontRef idx="minor">
+            <a:schemeClr val="lt1"/>
+          </a:fontRef>
+        </p:style>
+        <p:txBody>
+          <a:bodyPr rtlCol="0" anchor="ctr"/>
+          <a:lstStyle/>
+          <a:p>
+            <a:pPr algn="ctr"/>
+            <a:r>
+              <a:rPr lang="es-MX" dirty="0">
+                <a:solidFill>
+                  <a:schemeClr val="tx1"/>
+                </a:solidFill>
+              </a:rPr>
+              <a:t>Atributos</a:t>
+            </a:r>
+            <a:endParaRPr lang="es-CO" dirty="0">
+              <a:solidFill>
+                <a:schemeClr val="tx1"/>
+              </a:solidFill>
+            </a:endParaRPr>
+          </a:p>
+        </p:txBody>
+      </p:sp>
+      <p:sp>
+        <p:nvSpPr>
+          <p:cNvPr id="6" name="Rectángulo 5">
+            <a:extLst>
+              <a:ext uri="{FF2B5EF4-FFF2-40B4-BE49-F238E27FC236}">
+                <a16:creationId xmlns:a16="http://schemas.microsoft.com/office/drawing/2014/main" id="{59774783-54FC-610D-759F-A2F088C32FFD}"/>
+              </a:ext>
+            </a:extLst>
+          </p:cNvPr>
+          <p:cNvSpPr/>
+          <p:nvPr/>
+        </p:nvSpPr>
+        <p:spPr>
+          <a:xfrm>
+            <a:off x="343947" y="2743201"/>
+            <a:ext cx="1870745" cy="604007"/>
+          </a:xfrm>
+          <a:prstGeom prst="rect">
+            <a:avLst/>
+          </a:prstGeom>
+          <a:solidFill>
+            <a:schemeClr val="accent4">
+              <a:lumMod val="40000"/>
+              <a:lumOff val="60000"/>
+            </a:schemeClr>
+          </a:solidFill>
+          <a:ln>
+            <a:noFill/>
+          </a:ln>
+        </p:spPr>
+        <p:style>
+          <a:lnRef idx="2">
+            <a:schemeClr val="accent1">
+              <a:shade val="15000"/>
+            </a:schemeClr>
+          </a:lnRef>
+          <a:fillRef idx="1">
+            <a:schemeClr val="accent1"/>
+          </a:fillRef>
+          <a:effectRef idx="0">
+            <a:schemeClr val="accent1"/>
+          </a:effectRef>
+          <a:fontRef idx="minor">
+            <a:schemeClr val="lt1"/>
+          </a:fontRef>
+        </p:style>
+        <p:txBody>
+          <a:bodyPr rtlCol="0" anchor="ctr"/>
+          <a:lstStyle/>
+          <a:p>
+            <a:pPr algn="ctr"/>
+            <a:r>
+              <a:rPr lang="es-MX" dirty="0">
+                <a:solidFill>
+                  <a:schemeClr val="tx1"/>
+                </a:solidFill>
+              </a:rPr>
+              <a:t>Métodos </a:t>
+            </a:r>
+            <a:endParaRPr lang="es-CO" dirty="0">
+              <a:solidFill>
+                <a:schemeClr val="tx1"/>
+              </a:solidFill>
+            </a:endParaRPr>
+          </a:p>
+        </p:txBody>
+      </p:sp>
+      <p:sp>
+        <p:nvSpPr>
+          <p:cNvPr id="7" name="Rectángulo 6">
+            <a:extLst>
+              <a:ext uri="{FF2B5EF4-FFF2-40B4-BE49-F238E27FC236}">
+                <a16:creationId xmlns:a16="http://schemas.microsoft.com/office/drawing/2014/main" id="{B03E0792-0C75-C6EB-551A-4D839DF625A5}"/>
+              </a:ext>
+            </a:extLst>
+          </p:cNvPr>
+          <p:cNvSpPr/>
+          <p:nvPr/>
+        </p:nvSpPr>
+        <p:spPr>
+          <a:xfrm>
+            <a:off x="2383872" y="860571"/>
+            <a:ext cx="2104238" cy="604007"/>
+          </a:xfrm>
+          <a:prstGeom prst="rect">
+            <a:avLst/>
+          </a:prstGeom>
+          <a:solidFill>
+            <a:schemeClr val="accent4">
+              <a:lumMod val="60000"/>
+              <a:lumOff val="40000"/>
+            </a:schemeClr>
+          </a:solidFill>
+          <a:ln>
+            <a:noFill/>
+          </a:ln>
+        </p:spPr>
+        <p:style>
+          <a:lnRef idx="2">
+            <a:schemeClr val="accent1">
+              <a:shade val="15000"/>
+            </a:schemeClr>
+          </a:lnRef>
+          <a:fillRef idx="1">
+            <a:schemeClr val="accent1"/>
+          </a:fillRef>
+          <a:effectRef idx="0">
+            <a:schemeClr val="accent1"/>
+          </a:effectRef>
+          <a:fontRef idx="minor">
+            <a:schemeClr val="lt1"/>
+          </a:fontRef>
+        </p:style>
+        <p:txBody>
+          <a:bodyPr rtlCol="0" anchor="ctr"/>
+          <a:lstStyle/>
+          <a:p>
+            <a:pPr algn="ctr"/>
+            <a:r>
+              <a:rPr lang="es-MX" dirty="0" err="1">
+                <a:solidFill>
+                  <a:schemeClr val="tx1"/>
+                </a:solidFill>
+              </a:rPr>
+              <a:t>vehiculo</a:t>
+            </a:r>
+            <a:endParaRPr lang="es-CO" dirty="0">
+              <a:solidFill>
+                <a:schemeClr val="tx1"/>
+              </a:solidFill>
+            </a:endParaRPr>
+          </a:p>
+        </p:txBody>
+      </p:sp>
+      <p:sp>
+        <p:nvSpPr>
+          <p:cNvPr id="8" name="Rectángulo 7">
+            <a:extLst>
+              <a:ext uri="{FF2B5EF4-FFF2-40B4-BE49-F238E27FC236}">
+                <a16:creationId xmlns:a16="http://schemas.microsoft.com/office/drawing/2014/main" id="{89EDC3DA-862A-11D3-6569-29B27746F8CD}"/>
+              </a:ext>
+            </a:extLst>
+          </p:cNvPr>
+          <p:cNvSpPr/>
+          <p:nvPr/>
+        </p:nvSpPr>
+        <p:spPr>
+          <a:xfrm>
+            <a:off x="2383872" y="1492542"/>
+            <a:ext cx="2104238" cy="1024156"/>
+          </a:xfrm>
+          <a:prstGeom prst="rect">
+            <a:avLst/>
+          </a:prstGeom>
+          <a:solidFill>
+            <a:schemeClr val="accent4">
+              <a:lumMod val="40000"/>
+              <a:lumOff val="60000"/>
+            </a:schemeClr>
+          </a:solidFill>
+          <a:ln>
+            <a:noFill/>
+          </a:ln>
+        </p:spPr>
+        <p:style>
+          <a:lnRef idx="2">
+            <a:schemeClr val="accent1">
+              <a:shade val="15000"/>
+            </a:schemeClr>
+          </a:lnRef>
+          <a:fillRef idx="1">
+            <a:schemeClr val="accent1"/>
+          </a:fillRef>
+          <a:effectRef idx="0">
+            <a:schemeClr val="accent1"/>
+          </a:effectRef>
+          <a:fontRef idx="minor">
+            <a:schemeClr val="lt1"/>
+          </a:fontRef>
+        </p:style>
+        <p:txBody>
+          <a:bodyPr rtlCol="0" anchor="t"/>
+          <a:lstStyle/>
+          <a:p>
+            <a:r>
+              <a:rPr lang="es-MX" sz="1600" dirty="0">
+                <a:solidFill>
+                  <a:schemeClr val="tx1"/>
+                </a:solidFill>
+              </a:rPr>
+              <a:t>+ marca</a:t>
+            </a:r>
+          </a:p>
+          <a:p>
+            <a:r>
+              <a:rPr lang="es-MX" sz="1600" dirty="0">
+                <a:solidFill>
+                  <a:schemeClr val="tx1"/>
+                </a:solidFill>
+              </a:rPr>
+              <a:t>- modelo</a:t>
+            </a:r>
+          </a:p>
+          <a:p>
+            <a:r>
+              <a:rPr lang="es-MX" sz="1600" dirty="0">
+                <a:solidFill>
+                  <a:schemeClr val="tx1"/>
+                </a:solidFill>
+              </a:rPr>
+              <a:t>- color</a:t>
+            </a:r>
+          </a:p>
+          <a:p>
+            <a:endParaRPr lang="es-MX" sz="1600" dirty="0">
+              <a:solidFill>
+                <a:schemeClr val="tx1"/>
+              </a:solidFill>
+            </a:endParaRPr>
+          </a:p>
+          <a:p>
+            <a:endParaRPr lang="es-MX" sz="1600" dirty="0">
+              <a:solidFill>
+                <a:schemeClr val="tx1"/>
+              </a:solidFill>
+            </a:endParaRPr>
+          </a:p>
+          <a:p>
+            <a:endParaRPr lang="es-CO" sz="1600" dirty="0">
+              <a:solidFill>
+                <a:schemeClr val="tx1"/>
+              </a:solidFill>
+            </a:endParaRPr>
+          </a:p>
+        </p:txBody>
+      </p:sp>
+      <p:sp>
+        <p:nvSpPr>
+          <p:cNvPr id="9" name="Rectángulo 8">
+            <a:extLst>
+              <a:ext uri="{FF2B5EF4-FFF2-40B4-BE49-F238E27FC236}">
+                <a16:creationId xmlns:a16="http://schemas.microsoft.com/office/drawing/2014/main" id="{A74EC4B1-FEDB-E84F-9A12-08491ED58216}"/>
+              </a:ext>
+            </a:extLst>
+          </p:cNvPr>
+          <p:cNvSpPr/>
+          <p:nvPr/>
+        </p:nvSpPr>
+        <p:spPr>
+          <a:xfrm>
+            <a:off x="2383872" y="5170416"/>
+            <a:ext cx="2104238" cy="604007"/>
+          </a:xfrm>
+          <a:prstGeom prst="rect">
+            <a:avLst/>
+          </a:prstGeom>
+          <a:solidFill>
+            <a:schemeClr val="accent4">
+              <a:lumMod val="40000"/>
+              <a:lumOff val="60000"/>
+            </a:schemeClr>
+          </a:solidFill>
+          <a:ln>
+            <a:noFill/>
+          </a:ln>
+        </p:spPr>
+        <p:style>
+          <a:lnRef idx="2">
+            <a:schemeClr val="accent1">
+              <a:shade val="15000"/>
+            </a:schemeClr>
+          </a:lnRef>
+          <a:fillRef idx="1">
+            <a:schemeClr val="accent1"/>
+          </a:fillRef>
+          <a:effectRef idx="0">
+            <a:schemeClr val="accent1"/>
+          </a:effectRef>
+          <a:fontRef idx="minor">
+            <a:schemeClr val="lt1"/>
+          </a:fontRef>
+        </p:style>
+        <p:txBody>
+          <a:bodyPr rtlCol="0" anchor="t"/>
+          <a:lstStyle/>
+          <a:p>
+            <a:r>
+              <a:rPr lang="es-MX" dirty="0">
+                <a:solidFill>
+                  <a:schemeClr val="tx1"/>
+                </a:solidFill>
+              </a:rPr>
+              <a:t>registrar()</a:t>
+            </a:r>
+            <a:endParaRPr lang="es-CO" dirty="0">
+              <a:solidFill>
+                <a:schemeClr val="tx1"/>
+              </a:solidFill>
+            </a:endParaRPr>
+          </a:p>
+        </p:txBody>
+      </p:sp>
+    </p:spTree>
+    <p:extLst>
+      <p:ext uri="{BB962C8B-B14F-4D97-AF65-F5344CB8AC3E}">
+        <p14:creationId xmlns:p14="http://schemas.microsoft.com/office/powerpoint/2010/main" val="2389310390"/>
       </p:ext>
     </p:extLst>
   </p:cSld>
